--- a/Diabetes_Environment_Presentation [Autosaved].pptx
+++ b/Diabetes_Environment_Presentation [Autosaved].pptx
@@ -17629,7 +17629,7 @@
           <a:p>
             <a:r>
               <a:rPr lang="en-US" dirty="0"/>
-              <a:t>This would directionally indicate that lifestyle factors would be more relevant than family in assessing Diabetes risk. </a:t>
+              <a:t>This would directionally indicate that lifestyle factors would be more relevant than family history in assessing Diabetes risk. </a:t>
             </a:r>
           </a:p>
         </p:txBody>
@@ -21052,6 +21052,15 @@
               </a:rPr>
               <a:t>In this graph, you may notice a straight line around the value of 155. This occurs because the original dataset contained many zeros in this category. To clean the data, we replaced the zeros with the mean value for the respective category.</a:t>
             </a:r>
+            <a:r>
+              <a:rPr lang="en-US" dirty="0">
+                <a:solidFill>
+                  <a:srgbClr val="000000"/>
+                </a:solidFill>
+                <a:latin typeface="-webkit-standard"/>
+              </a:rPr>
+              <a:t> </a:t>
+            </a:r>
             <a:endParaRPr lang="en-US" dirty="0"/>
           </a:p>
         </p:txBody>
@@ -25280,8 +25289,8 @@
         </p:nvSpPr>
         <p:spPr>
           <a:xfrm>
-            <a:off x="677654" y="4077936"/>
-            <a:ext cx="3442933" cy="2308324"/>
+            <a:off x="662156" y="4040968"/>
+            <a:ext cx="3442933" cy="2031325"/>
           </a:xfrm>
           <a:prstGeom prst="rect">
             <a:avLst/>
@@ -25302,12 +25311,9 @@
                 <a:effectLst/>
                 <a:latin typeface="-webkit-standard"/>
               </a:rPr>
-              <a:t>The graph indicates a gradual increase in diabetes prevalence across regions from 2019 to 2024, with some variability in prevalence across regions. There is more uncertainty in the forecasted values for later years (2023–2024).</a:t>
+              <a:t>The graph indicates a gradual increase in diabetes prevalence across regions from 2019 to 2022, with some variability in prevalence across regions. There is more uncertainty in the forecasted values for later years (2023–2024).</a:t>
             </a:r>
-            <a:r>
-              <a:rPr lang="en-US" dirty="0"/>
-              <a:t>.</a:t>
-            </a:r>
+            <a:endParaRPr lang="en-US" dirty="0"/>
           </a:p>
         </p:txBody>
       </p:sp>
@@ -25436,7 +25442,7 @@
           <a:lstStyle/>
           <a:p>
             <a:r>
-              <a:rPr lang="en-US" sz="2800"/>
+              <a:rPr lang="en-US" sz="2800" dirty="0"/>
               <a:t>the pivot from prophet to logistic regression</a:t>
             </a:r>
           </a:p>
@@ -25547,7 +25553,32 @@
                 <a:effectLst/>
                 <a:latin typeface="-webkit-standard"/>
               </a:rPr>
-              <a:t>Due to limitations in our dataset, which was already aggregated by year, we shifted from using the Prophet Forecasting </a:t>
+              <a:t>After running the Prophet Forecasting, we ran the Logistic </a:t>
+            </a:r>
+            <a:r>
+              <a:rPr lang="en-US" dirty="0">
+                <a:solidFill>
+                  <a:schemeClr val="tx1">
+                    <a:lumMod val="85000"/>
+                    <a:lumOff val="15000"/>
+                  </a:schemeClr>
+                </a:solidFill>
+                <a:latin typeface="-webkit-standard"/>
+              </a:rPr>
+              <a:t>R</a:t>
+            </a:r>
+            <a:r>
+              <a:rPr lang="en-US" b="0" i="0" u="none" strike="noStrike" dirty="0">
+                <a:solidFill>
+                  <a:schemeClr val="tx1">
+                    <a:lumMod val="85000"/>
+                    <a:lumOff val="15000"/>
+                  </a:schemeClr>
+                </a:solidFill>
+                <a:effectLst/>
+                <a:latin typeface="-webkit-standard"/>
+              </a:rPr>
+              <a:t>egression </a:t>
             </a:r>
             <a:r>
               <a:rPr lang="en-US" dirty="0">
@@ -25572,42 +25603,8 @@
                 <a:effectLst/>
                 <a:latin typeface="-webkit-standard"/>
               </a:rPr>
-              <a:t>odel to Logistic </a:t>
+              <a:t>odel. This method allowed us to better explain diabetes risk based on location and personal health factors.</a:t>
             </a:r>
-            <a:r>
-              <a:rPr lang="en-US" dirty="0">
-                <a:solidFill>
-                  <a:schemeClr val="tx1">
-                    <a:lumMod val="85000"/>
-                    <a:lumOff val="15000"/>
-                  </a:schemeClr>
-                </a:solidFill>
-                <a:latin typeface="-webkit-standard"/>
-              </a:rPr>
-              <a:t>R</a:t>
-            </a:r>
-            <a:r>
-              <a:rPr lang="en-US" b="0" i="0" u="none" strike="noStrike" dirty="0">
-                <a:solidFill>
-                  <a:schemeClr val="tx1">
-                    <a:lumMod val="85000"/>
-                    <a:lumOff val="15000"/>
-                  </a:schemeClr>
-                </a:solidFill>
-                <a:effectLst/>
-                <a:latin typeface="-webkit-standard"/>
-              </a:rPr>
-              <a:t>egression. This method allowed us to better predict diabetes risk based on location and personal health factors.</a:t>
-            </a:r>
-            <a:endParaRPr lang="en-US" b="0" i="0" u="none" strike="noStrike" dirty="0">
-              <a:solidFill>
-                <a:schemeClr val="tx1">
-                  <a:lumMod val="85000"/>
-                  <a:lumOff val="15000"/>
-                </a:schemeClr>
-              </a:solidFill>
-              <a:effectLst/>
-            </a:endParaRPr>
           </a:p>
         </p:txBody>
       </p:sp>
